--- a/任务调度与上下文切换/上下文切换流程图解与总结.pptx
+++ b/任务调度与上下文切换/上下文切换流程图解与总结.pptx
@@ -489,7 +489,7 @@
           <a:p>
             <a:fld id="{442B4CCC-47B6-4118-8E10-96983B5626A2}" type="datetimeFigureOut">
               <a:rPr lang="zh-CN" altLang="en-US" smtClean="0"/>
-              <a:t>2019/8/18</a:t>
+              <a:t>2019/8/28</a:t>
             </a:fld>
             <a:endParaRPr lang="zh-CN" altLang="en-US"/>
           </a:p>
@@ -687,7 +687,7 @@
           <a:p>
             <a:fld id="{442B4CCC-47B6-4118-8E10-96983B5626A2}" type="datetimeFigureOut">
               <a:rPr lang="zh-CN" altLang="en-US" smtClean="0"/>
-              <a:t>2019/8/18</a:t>
+              <a:t>2019/8/28</a:t>
             </a:fld>
             <a:endParaRPr lang="zh-CN" altLang="en-US"/>
           </a:p>
@@ -895,7 +895,7 @@
           <a:p>
             <a:fld id="{442B4CCC-47B6-4118-8E10-96983B5626A2}" type="datetimeFigureOut">
               <a:rPr lang="zh-CN" altLang="en-US" smtClean="0"/>
-              <a:t>2019/8/18</a:t>
+              <a:t>2019/8/28</a:t>
             </a:fld>
             <a:endParaRPr lang="zh-CN" altLang="en-US"/>
           </a:p>
@@ -1093,7 +1093,7 @@
           <a:p>
             <a:fld id="{442B4CCC-47B6-4118-8E10-96983B5626A2}" type="datetimeFigureOut">
               <a:rPr lang="zh-CN" altLang="en-US" smtClean="0"/>
-              <a:t>2019/8/18</a:t>
+              <a:t>2019/8/28</a:t>
             </a:fld>
             <a:endParaRPr lang="zh-CN" altLang="en-US"/>
           </a:p>
@@ -1368,7 +1368,7 @@
           <a:p>
             <a:fld id="{442B4CCC-47B6-4118-8E10-96983B5626A2}" type="datetimeFigureOut">
               <a:rPr lang="zh-CN" altLang="en-US" smtClean="0"/>
-              <a:t>2019/8/18</a:t>
+              <a:t>2019/8/28</a:t>
             </a:fld>
             <a:endParaRPr lang="zh-CN" altLang="en-US"/>
           </a:p>
@@ -1633,7 +1633,7 @@
           <a:p>
             <a:fld id="{442B4CCC-47B6-4118-8E10-96983B5626A2}" type="datetimeFigureOut">
               <a:rPr lang="zh-CN" altLang="en-US" smtClean="0"/>
-              <a:t>2019/8/18</a:t>
+              <a:t>2019/8/28</a:t>
             </a:fld>
             <a:endParaRPr lang="zh-CN" altLang="en-US"/>
           </a:p>
@@ -2045,7 +2045,7 @@
           <a:p>
             <a:fld id="{442B4CCC-47B6-4118-8E10-96983B5626A2}" type="datetimeFigureOut">
               <a:rPr lang="zh-CN" altLang="en-US" smtClean="0"/>
-              <a:t>2019/8/18</a:t>
+              <a:t>2019/8/28</a:t>
             </a:fld>
             <a:endParaRPr lang="zh-CN" altLang="en-US"/>
           </a:p>
@@ -2186,7 +2186,7 @@
           <a:p>
             <a:fld id="{442B4CCC-47B6-4118-8E10-96983B5626A2}" type="datetimeFigureOut">
               <a:rPr lang="zh-CN" altLang="en-US" smtClean="0"/>
-              <a:t>2019/8/18</a:t>
+              <a:t>2019/8/28</a:t>
             </a:fld>
             <a:endParaRPr lang="zh-CN" altLang="en-US"/>
           </a:p>
@@ -2299,7 +2299,7 @@
           <a:p>
             <a:fld id="{442B4CCC-47B6-4118-8E10-96983B5626A2}" type="datetimeFigureOut">
               <a:rPr lang="zh-CN" altLang="en-US" smtClean="0"/>
-              <a:t>2019/8/18</a:t>
+              <a:t>2019/8/28</a:t>
             </a:fld>
             <a:endParaRPr lang="zh-CN" altLang="en-US"/>
           </a:p>
@@ -2610,7 +2610,7 @@
           <a:p>
             <a:fld id="{442B4CCC-47B6-4118-8E10-96983B5626A2}" type="datetimeFigureOut">
               <a:rPr lang="zh-CN" altLang="en-US" smtClean="0"/>
-              <a:t>2019/8/18</a:t>
+              <a:t>2019/8/28</a:t>
             </a:fld>
             <a:endParaRPr lang="zh-CN" altLang="en-US"/>
           </a:p>
@@ -2898,7 +2898,7 @@
           <a:p>
             <a:fld id="{442B4CCC-47B6-4118-8E10-96983B5626A2}" type="datetimeFigureOut">
               <a:rPr lang="zh-CN" altLang="en-US" smtClean="0"/>
-              <a:t>2019/8/18</a:t>
+              <a:t>2019/8/28</a:t>
             </a:fld>
             <a:endParaRPr lang="zh-CN" altLang="en-US"/>
           </a:p>
@@ -3139,7 +3139,7 @@
           <a:p>
             <a:fld id="{442B4CCC-47B6-4118-8E10-96983B5626A2}" type="datetimeFigureOut">
               <a:rPr lang="zh-CN" altLang="en-US" smtClean="0"/>
-              <a:t>2019/8/18</a:t>
+              <a:t>2019/8/28</a:t>
             </a:fld>
             <a:endParaRPr lang="zh-CN" altLang="en-US"/>
           </a:p>
@@ -10199,7 +10199,7 @@
         <p:spPr>
           <a:xfrm>
             <a:off x="1012054" y="878889"/>
-            <a:ext cx="8430513" cy="2308324"/>
+            <a:ext cx="7455887" cy="1477328"/>
           </a:xfrm>
           <a:prstGeom prst="rect">
             <a:avLst/>
@@ -10248,53 +10248,7 @@
             </a:pPr>
             <a:r>
               <a:rPr lang="zh-CN" altLang="en-US" dirty="0"/>
-              <a:t>任务调度的执行时机：</a:t>
-            </a:r>
-            <a:endParaRPr lang="en-US" altLang="zh-CN" dirty="0"/>
-          </a:p>
-          <a:p>
-            <a:pPr marL="800100" lvl="1" indent="-342900">
-              <a:buAutoNum type="arabicPeriod"/>
-            </a:pPr>
-            <a:r>
-              <a:rPr lang="zh-CN" altLang="en-US" dirty="0"/>
-              <a:t>定时器中断中</a:t>
-            </a:r>
-            <a:endParaRPr lang="en-US" altLang="zh-CN" dirty="0"/>
-          </a:p>
-          <a:p>
-            <a:pPr marL="800100" lvl="1" indent="-342900">
-              <a:buAutoNum type="arabicPeriod"/>
-            </a:pPr>
-            <a:r>
-              <a:rPr lang="zh-CN" altLang="en-US" dirty="0"/>
-              <a:t>延时函数中（如果</a:t>
-            </a:r>
-            <a:r>
-              <a:rPr lang="en-US" altLang="zh-CN" dirty="0"/>
-              <a:t>TCB</a:t>
-            </a:r>
-            <a:r>
-              <a:rPr lang="zh-CN" altLang="en-US" dirty="0"/>
-              <a:t>中无延时节拍变量，则只能用</a:t>
-            </a:r>
-            <a:r>
-              <a:rPr lang="en-US" altLang="zh-CN" dirty="0"/>
-              <a:t>1</a:t>
-            </a:r>
-            <a:r>
-              <a:rPr lang="zh-CN" altLang="en-US" dirty="0"/>
-              <a:t>，基于时间片轮询）</a:t>
-            </a:r>
-            <a:endParaRPr lang="en-US" altLang="zh-CN" dirty="0"/>
-          </a:p>
-          <a:p>
-            <a:pPr marL="800100" lvl="1" indent="-342900">
-              <a:buAutoNum type="arabicPeriod"/>
-            </a:pPr>
-            <a:r>
-              <a:rPr lang="zh-CN" altLang="en-US" dirty="0"/>
-              <a:t>发信号后执行任务调度</a:t>
+              <a:t>任务调度的执行时机：任务就绪集合发生变动的时候</a:t>
             </a:r>
             <a:endParaRPr lang="en-US" altLang="zh-CN" dirty="0"/>
           </a:p>
